--- a/assets/WGS_Simplify.pptx
+++ b/assets/WGS_Simplify.pptx
@@ -5,7 +5,7 @@
     <p:sldMasterId id="2147483648" r:id="rId1"/>
   </p:sldMasterIdLst>
   <p:notesMasterIdLst>
-    <p:notesMasterId r:id="rId8"/>
+    <p:notesMasterId r:id="rId9"/>
   </p:notesMasterIdLst>
   <p:sldIdLst>
     <p:sldId id="258" r:id="rId2"/>
@@ -13,7 +13,8 @@
     <p:sldId id="259" r:id="rId4"/>
     <p:sldId id="260" r:id="rId5"/>
     <p:sldId id="261" r:id="rId6"/>
-    <p:sldId id="282" r:id="rId7"/>
+    <p:sldId id="283" r:id="rId7"/>
+    <p:sldId id="282" r:id="rId8"/>
   </p:sldIdLst>
   <p:sldSz cx="9144000" cy="5715000" type="screen16x10"/>
   <p:notesSz cx="6858000" cy="9144000"/>
@@ -213,7 +214,7 @@
           <a:p>
             <a:fld id="{821DFDE9-353C-0845-AD83-281110483F36}" type="datetimeFigureOut">
               <a:rPr lang="en-US" smtClean="0"/>
-              <a:t>12/30/16</a:t>
+              <a:t>1/6/17</a:t>
             </a:fld>
             <a:endParaRPr lang="en-US"/>
           </a:p>
@@ -565,6 +566,178 @@
 </p:notes>
 </file>
 
+<file path=ppt/notesSlides/notesSlide2.xml><?xml version="1.0" encoding="utf-8"?>
+<p:notes xmlns:a="http://schemas.openxmlformats.org/drawingml/2006/main" xmlns:r="http://schemas.openxmlformats.org/officeDocument/2006/relationships" xmlns:p="http://schemas.openxmlformats.org/presentationml/2006/main">
+  <p:cSld>
+    <p:spTree>
+      <p:nvGrpSpPr>
+        <p:cNvPr id="1" name=""/>
+        <p:cNvGrpSpPr/>
+        <p:nvPr/>
+      </p:nvGrpSpPr>
+      <p:grpSpPr>
+        <a:xfrm>
+          <a:off x="0" y="0"/>
+          <a:ext cx="0" cy="0"/>
+          <a:chOff x="0" y="0"/>
+          <a:chExt cx="0" cy="0"/>
+        </a:xfrm>
+      </p:grpSpPr>
+      <p:sp>
+        <p:nvSpPr>
+          <p:cNvPr id="2" name="幻灯片图像占位符 1"/>
+          <p:cNvSpPr>
+            <a:spLocks noGrp="1" noRot="1" noChangeAspect="1"/>
+          </p:cNvSpPr>
+          <p:nvPr>
+            <p:ph type="sldImg"/>
+          </p:nvPr>
+        </p:nvSpPr>
+        <p:spPr/>
+      </p:sp>
+      <p:sp>
+        <p:nvSpPr>
+          <p:cNvPr id="3" name="备注占位符 2"/>
+          <p:cNvSpPr>
+            <a:spLocks noGrp="1"/>
+          </p:cNvSpPr>
+          <p:nvPr>
+            <p:ph type="body" idx="1"/>
+          </p:nvPr>
+        </p:nvSpPr>
+        <p:spPr/>
+        <p:txBody>
+          <a:bodyPr/>
+          <a:lstStyle/>
+          <a:p>
+            <a:endParaRPr kumimoji="1" lang="zh-CN" altLang="en-US" dirty="0"/>
+          </a:p>
+        </p:txBody>
+      </p:sp>
+      <p:sp>
+        <p:nvSpPr>
+          <p:cNvPr id="4" name="幻灯片编号占位符 3"/>
+          <p:cNvSpPr>
+            <a:spLocks noGrp="1"/>
+          </p:cNvSpPr>
+          <p:nvPr>
+            <p:ph type="sldNum" sz="quarter" idx="10"/>
+          </p:nvPr>
+        </p:nvSpPr>
+        <p:spPr/>
+        <p:txBody>
+          <a:bodyPr/>
+          <a:lstStyle/>
+          <a:p>
+            <a:fld id="{507A501F-306F-FE47-9E84-132B511983A5}" type="slidenum">
+              <a:rPr lang="en-US" smtClean="0"/>
+              <a:t>5</a:t>
+            </a:fld>
+            <a:endParaRPr lang="en-US"/>
+          </a:p>
+        </p:txBody>
+      </p:sp>
+    </p:spTree>
+    <p:extLst>
+      <p:ext uri="{BB962C8B-B14F-4D97-AF65-F5344CB8AC3E}">
+        <p14:creationId xmlns:p14="http://schemas.microsoft.com/office/powerpoint/2010/main" val="1947042269"/>
+      </p:ext>
+    </p:extLst>
+  </p:cSld>
+  <p:clrMapOvr>
+    <a:masterClrMapping/>
+  </p:clrMapOvr>
+</p:notes>
+</file>
+
+<file path=ppt/notesSlides/notesSlide3.xml><?xml version="1.0" encoding="utf-8"?>
+<p:notes xmlns:a="http://schemas.openxmlformats.org/drawingml/2006/main" xmlns:r="http://schemas.openxmlformats.org/officeDocument/2006/relationships" xmlns:p="http://schemas.openxmlformats.org/presentationml/2006/main">
+  <p:cSld>
+    <p:spTree>
+      <p:nvGrpSpPr>
+        <p:cNvPr id="1" name=""/>
+        <p:cNvGrpSpPr/>
+        <p:nvPr/>
+      </p:nvGrpSpPr>
+      <p:grpSpPr>
+        <a:xfrm>
+          <a:off x="0" y="0"/>
+          <a:ext cx="0" cy="0"/>
+          <a:chOff x="0" y="0"/>
+          <a:chExt cx="0" cy="0"/>
+        </a:xfrm>
+      </p:grpSpPr>
+      <p:sp>
+        <p:nvSpPr>
+          <p:cNvPr id="2" name="幻灯片图像占位符 1"/>
+          <p:cNvSpPr>
+            <a:spLocks noGrp="1" noRot="1" noChangeAspect="1"/>
+          </p:cNvSpPr>
+          <p:nvPr>
+            <p:ph type="sldImg"/>
+          </p:nvPr>
+        </p:nvSpPr>
+        <p:spPr/>
+      </p:sp>
+      <p:sp>
+        <p:nvSpPr>
+          <p:cNvPr id="3" name="备注占位符 2"/>
+          <p:cNvSpPr>
+            <a:spLocks noGrp="1"/>
+          </p:cNvSpPr>
+          <p:nvPr>
+            <p:ph type="body" idx="1"/>
+          </p:nvPr>
+        </p:nvSpPr>
+        <p:spPr/>
+        <p:txBody>
+          <a:bodyPr/>
+          <a:lstStyle/>
+          <a:p>
+            <a:r>
+              <a:rPr kumimoji="1" lang="zh-CN" altLang="en-US" dirty="0" smtClean="0"/>
+              <a:t>测试数据</a:t>
+            </a:r>
+            <a:endParaRPr kumimoji="1" lang="zh-CN" altLang="en-US" dirty="0"/>
+          </a:p>
+        </p:txBody>
+      </p:sp>
+      <p:sp>
+        <p:nvSpPr>
+          <p:cNvPr id="4" name="幻灯片编号占位符 3"/>
+          <p:cNvSpPr>
+            <a:spLocks noGrp="1"/>
+          </p:cNvSpPr>
+          <p:nvPr>
+            <p:ph type="sldNum" sz="quarter" idx="10"/>
+          </p:nvPr>
+        </p:nvSpPr>
+        <p:spPr/>
+        <p:txBody>
+          <a:bodyPr/>
+          <a:lstStyle/>
+          <a:p>
+            <a:fld id="{507A501F-306F-FE47-9E84-132B511983A5}" type="slidenum">
+              <a:rPr lang="en-US" smtClean="0"/>
+              <a:t>6</a:t>
+            </a:fld>
+            <a:endParaRPr lang="en-US"/>
+          </a:p>
+        </p:txBody>
+      </p:sp>
+    </p:spTree>
+    <p:extLst>
+      <p:ext uri="{BB962C8B-B14F-4D97-AF65-F5344CB8AC3E}">
+        <p14:creationId xmlns:p14="http://schemas.microsoft.com/office/powerpoint/2010/main" val="1275125407"/>
+      </p:ext>
+    </p:extLst>
+  </p:cSld>
+  <p:clrMapOvr>
+    <a:masterClrMapping/>
+  </p:clrMapOvr>
+</p:notes>
+</file>
+
 <file path=ppt/slideLayouts/slideLayout1.xml><?xml version="1.0" encoding="utf-8"?>
 <p:sldLayout xmlns:a="http://schemas.openxmlformats.org/drawingml/2006/main" xmlns:r="http://schemas.openxmlformats.org/officeDocument/2006/relationships" xmlns:p="http://schemas.openxmlformats.org/presentationml/2006/main" type="title" preserve="1">
   <p:cSld name="Title Slide">
@@ -746,7 +919,7 @@
           <a:p>
             <a:fld id="{4328421A-0EB9-CB4F-8903-5755A88A3284}" type="datetimeFigureOut">
               <a:rPr lang="en-US" smtClean="0"/>
-              <a:t>12/30/16</a:t>
+              <a:t>1/6/17</a:t>
             </a:fld>
             <a:endParaRPr lang="en-US"/>
           </a:p>
@@ -916,7 +1089,7 @@
           <a:p>
             <a:fld id="{4328421A-0EB9-CB4F-8903-5755A88A3284}" type="datetimeFigureOut">
               <a:rPr lang="en-US" smtClean="0"/>
-              <a:t>12/30/16</a:t>
+              <a:t>1/6/17</a:t>
             </a:fld>
             <a:endParaRPr lang="en-US"/>
           </a:p>
@@ -1096,7 +1269,7 @@
           <a:p>
             <a:fld id="{4328421A-0EB9-CB4F-8903-5755A88A3284}" type="datetimeFigureOut">
               <a:rPr lang="en-US" smtClean="0"/>
-              <a:t>12/30/16</a:t>
+              <a:t>1/6/17</a:t>
             </a:fld>
             <a:endParaRPr lang="en-US"/>
           </a:p>
@@ -1266,7 +1439,7 @@
           <a:p>
             <a:fld id="{4328421A-0EB9-CB4F-8903-5755A88A3284}" type="datetimeFigureOut">
               <a:rPr lang="en-US" smtClean="0"/>
-              <a:t>12/30/16</a:t>
+              <a:t>1/6/17</a:t>
             </a:fld>
             <a:endParaRPr lang="en-US"/>
           </a:p>
@@ -1512,7 +1685,7 @@
           <a:p>
             <a:fld id="{4328421A-0EB9-CB4F-8903-5755A88A3284}" type="datetimeFigureOut">
               <a:rPr lang="en-US" smtClean="0"/>
-              <a:t>12/30/16</a:t>
+              <a:t>1/6/17</a:t>
             </a:fld>
             <a:endParaRPr lang="en-US"/>
           </a:p>
@@ -1800,7 +1973,7 @@
           <a:p>
             <a:fld id="{4328421A-0EB9-CB4F-8903-5755A88A3284}" type="datetimeFigureOut">
               <a:rPr lang="en-US" smtClean="0"/>
-              <a:t>12/30/16</a:t>
+              <a:t>1/6/17</a:t>
             </a:fld>
             <a:endParaRPr lang="en-US"/>
           </a:p>
@@ -2227,7 +2400,7 @@
           <a:p>
             <a:fld id="{4328421A-0EB9-CB4F-8903-5755A88A3284}" type="datetimeFigureOut">
               <a:rPr lang="en-US" smtClean="0"/>
-              <a:t>12/30/16</a:t>
+              <a:t>1/6/17</a:t>
             </a:fld>
             <a:endParaRPr lang="en-US"/>
           </a:p>
@@ -2345,7 +2518,7 @@
           <a:p>
             <a:fld id="{4328421A-0EB9-CB4F-8903-5755A88A3284}" type="datetimeFigureOut">
               <a:rPr lang="en-US" smtClean="0"/>
-              <a:t>12/30/16</a:t>
+              <a:t>1/6/17</a:t>
             </a:fld>
             <a:endParaRPr lang="en-US"/>
           </a:p>
@@ -2440,7 +2613,7 @@
           <a:p>
             <a:fld id="{4328421A-0EB9-CB4F-8903-5755A88A3284}" type="datetimeFigureOut">
               <a:rPr lang="en-US" smtClean="0"/>
-              <a:t>12/30/16</a:t>
+              <a:t>1/6/17</a:t>
             </a:fld>
             <a:endParaRPr lang="en-US"/>
           </a:p>
@@ -2717,7 +2890,7 @@
           <a:p>
             <a:fld id="{4328421A-0EB9-CB4F-8903-5755A88A3284}" type="datetimeFigureOut">
               <a:rPr lang="en-US" smtClean="0"/>
-              <a:t>12/30/16</a:t>
+              <a:t>1/6/17</a:t>
             </a:fld>
             <a:endParaRPr lang="en-US"/>
           </a:p>
@@ -2970,7 +3143,7 @@
           <a:p>
             <a:fld id="{4328421A-0EB9-CB4F-8903-5755A88A3284}" type="datetimeFigureOut">
               <a:rPr lang="en-US" smtClean="0"/>
-              <a:t>12/30/16</a:t>
+              <a:t>1/6/17</a:t>
             </a:fld>
             <a:endParaRPr lang="en-US"/>
           </a:p>
@@ -3183,7 +3356,7 @@
           <a:p>
             <a:fld id="{4328421A-0EB9-CB4F-8903-5755A88A3284}" type="datetimeFigureOut">
               <a:rPr lang="en-US" smtClean="0"/>
-              <a:t>12/30/16</a:t>
+              <a:t>1/6/17</a:t>
             </a:fld>
             <a:endParaRPr lang="en-US"/>
           </a:p>
@@ -7311,7 +7484,7 @@
         <p:spPr>
           <a:xfrm>
             <a:off x="1900674" y="4069526"/>
-            <a:ext cx="3387441" cy="1615827"/>
+            <a:ext cx="3387441" cy="1892826"/>
           </a:xfrm>
           <a:prstGeom prst="rect">
             <a:avLst/>
@@ -7331,12 +7504,20 @@
           <a:lstStyle/>
           <a:p>
             <a:r>
-              <a:rPr lang="en-US" sz="900" dirty="0" err="1"/>
-              <a:t>gatk</a:t>
-            </a:r>
-            <a:r>
-              <a:rPr lang="en-US" sz="900" dirty="0"/>
-              <a:t> -</a:t>
+              <a:rPr lang="en-US" altLang="zh-CN" sz="900" dirty="0"/>
+              <a:t>java -jar </a:t>
+            </a:r>
+            <a:r>
+              <a:rPr lang="en-US" altLang="zh-CN" sz="900" dirty="0" err="1"/>
+              <a:t>GenomeAnalysisTK.jar</a:t>
+            </a:r>
+            <a:r>
+              <a:rPr lang="en-US" sz="900" dirty="0" smtClean="0"/>
+              <a:t> </a:t>
+            </a:r>
+            <a:r>
+              <a:rPr lang="en-US" sz="900" dirty="0"/>
+              <a:t>-</a:t>
             </a:r>
             <a:r>
               <a:rPr lang="en-US" sz="900" dirty="0" err="1" smtClean="0"/>
@@ -7426,7 +7607,15 @@
             </a:r>
             <a:r>
               <a:rPr lang="en-US" sz="900" dirty="0" smtClean="0"/>
-              <a:t>dbsnp_138.All.fix.vcf </a:t>
+              <a:t>dbsnp_138.</a:t>
+            </a:r>
+            <a:r>
+              <a:rPr lang="en-US" altLang="zh-CN" sz="900" dirty="0" smtClean="0"/>
+              <a:t>b37</a:t>
+            </a:r>
+            <a:r>
+              <a:rPr lang="en-US" sz="900" dirty="0" smtClean="0"/>
+              <a:t>.vcf </a:t>
             </a:r>
             <a:r>
               <a:rPr lang="en-US" sz="900" dirty="0"/>
@@ -7436,15 +7625,7 @@
           <a:p>
             <a:r>
               <a:rPr lang="en-US" sz="900" dirty="0"/>
-              <a:t>     -I </a:t>
-            </a:r>
-            <a:r>
-              <a:rPr lang="en-US" sz="900" dirty="0"/>
-              <a:t>NA12878_realign.bam </a:t>
-            </a:r>
-            <a:r>
-              <a:rPr lang="en-US" sz="900" dirty="0"/>
-              <a:t>\</a:t>
+              <a:t>     -I NA12878_realign.bam \</a:t>
             </a:r>
           </a:p>
           <a:p>
@@ -7463,12 +7644,20 @@
           </a:p>
           <a:p>
             <a:r>
-              <a:rPr lang="en-US" sz="900" dirty="0" err="1"/>
-              <a:t>gatk</a:t>
-            </a:r>
-            <a:r>
-              <a:rPr lang="en-US" sz="900" dirty="0"/>
-              <a:t> -</a:t>
+              <a:rPr lang="en-US" altLang="zh-CN" sz="900" dirty="0"/>
+              <a:t>java -jar </a:t>
+            </a:r>
+            <a:r>
+              <a:rPr lang="en-US" altLang="zh-CN" sz="900" dirty="0" err="1"/>
+              <a:t>GenomeAnalysisTK.jar</a:t>
+            </a:r>
+            <a:r>
+              <a:rPr lang="en-US" sz="900" dirty="0" smtClean="0"/>
+              <a:t> </a:t>
+            </a:r>
+            <a:r>
+              <a:rPr lang="en-US" sz="900" dirty="0"/>
+              <a:t>-</a:t>
             </a:r>
             <a:r>
               <a:rPr lang="en-US" sz="900" dirty="0" err="1" smtClean="0"/>
@@ -7502,15 +7691,7 @@
           <a:p>
             <a:r>
               <a:rPr lang="en-US" sz="900" dirty="0"/>
-              <a:t>     -I </a:t>
-            </a:r>
-            <a:r>
-              <a:rPr lang="en-US" sz="900" dirty="0"/>
-              <a:t>NA12878_realign.bam </a:t>
-            </a:r>
-            <a:r>
-              <a:rPr lang="en-US" sz="900" dirty="0"/>
-              <a:t>\</a:t>
+              <a:t>     -I NA12878_realign.bam \</a:t>
             </a:r>
           </a:p>
           <a:p>
@@ -7549,7 +7730,7 @@
         <p:spPr>
           <a:xfrm>
             <a:off x="5800164" y="2906636"/>
-            <a:ext cx="3143919" cy="2308324"/>
+            <a:ext cx="3143919" cy="2446824"/>
           </a:xfrm>
           <a:prstGeom prst="rect">
             <a:avLst/>
@@ -7592,67 +7773,98 @@
           </a:p>
           <a:p>
             <a:r>
+              <a:rPr lang="en-US" altLang="zh-CN" sz="900" dirty="0"/>
+              <a:t>java -jar </a:t>
+            </a:r>
+            <a:r>
+              <a:rPr lang="en-US" altLang="zh-CN" sz="900" dirty="0" err="1"/>
+              <a:t>GenomeAnalysisTK.jar</a:t>
+            </a:r>
+            <a:r>
+              <a:rPr lang="en-US" sz="900" dirty="0" smtClean="0">
+                <a:latin typeface="Arial"/>
+                <a:cs typeface="Arial"/>
+              </a:rPr>
+              <a:t> </a:t>
+            </a:r>
+            <a:r>
+              <a:rPr lang="en-US" sz="900" dirty="0">
+                <a:latin typeface="Arial"/>
+                <a:cs typeface="Arial"/>
+              </a:rPr>
+              <a:t>-</a:t>
+            </a:r>
+            <a:r>
+              <a:rPr lang="en-US" sz="900" dirty="0" err="1">
+                <a:latin typeface="Arial"/>
+                <a:cs typeface="Arial"/>
+              </a:rPr>
+              <a:t>nt</a:t>
+            </a:r>
+            <a:r>
+              <a:rPr lang="en-US" sz="900" dirty="0">
+                <a:latin typeface="Arial"/>
+                <a:cs typeface="Arial"/>
+              </a:rPr>
+              <a:t> 4 </a:t>
+            </a:r>
+            <a:r>
+              <a:rPr lang="en-US" altLang="zh-CN" sz="900" dirty="0">
+                <a:latin typeface="Arial"/>
+                <a:cs typeface="Arial"/>
+              </a:rPr>
+              <a:t>-T </a:t>
+            </a:r>
+            <a:r>
+              <a:rPr lang="en-US" altLang="zh-CN" sz="900" dirty="0" err="1" smtClean="0">
+                <a:latin typeface="Arial"/>
+                <a:cs typeface="Arial"/>
+              </a:rPr>
+              <a:t>RealignerTargetCreator</a:t>
+            </a:r>
+            <a:r>
+              <a:rPr lang="zh-CN" altLang="en-US" sz="900" dirty="0" smtClean="0">
+                <a:latin typeface="Arial"/>
+                <a:cs typeface="Arial"/>
+              </a:rPr>
+              <a:t> </a:t>
+            </a:r>
+            <a:r>
+              <a:rPr lang="en-US" altLang="zh-CN" sz="900" dirty="0" smtClean="0">
+                <a:latin typeface="Arial"/>
+                <a:cs typeface="Arial"/>
+              </a:rPr>
+              <a:t>\</a:t>
+            </a:r>
+          </a:p>
+          <a:p>
+            <a:r>
+              <a:rPr lang="en-US" altLang="zh-CN" sz="900" dirty="0" smtClean="0">
+                <a:latin typeface="Arial"/>
+                <a:cs typeface="Arial"/>
+              </a:rPr>
+              <a:t>[</a:t>
+            </a:r>
+            <a:r>
+              <a:rPr lang="en-US" sz="900" dirty="0" smtClean="0">
+                <a:latin typeface="Arial"/>
+                <a:cs typeface="Arial"/>
+              </a:rPr>
+              <a:t>--</a:t>
+            </a:r>
+            <a:r>
               <a:rPr lang="en-US" sz="900" dirty="0" err="1" smtClean="0">
                 <a:latin typeface="Arial"/>
                 <a:cs typeface="Arial"/>
               </a:rPr>
-              <a:t>gatk</a:t>
-            </a:r>
-            <a:r>
-              <a:rPr lang="en-US" sz="900" dirty="0" smtClean="0">
-                <a:latin typeface="Arial"/>
-                <a:cs typeface="Arial"/>
-              </a:rPr>
-              <a:t> </a:t>
-            </a:r>
-            <a:r>
-              <a:rPr lang="en-US" sz="900" dirty="0">
-                <a:latin typeface="Arial"/>
-                <a:cs typeface="Arial"/>
-              </a:rPr>
-              <a:t>-</a:t>
-            </a:r>
-            <a:r>
-              <a:rPr lang="en-US" sz="900" dirty="0" err="1">
-                <a:latin typeface="Arial"/>
-                <a:cs typeface="Arial"/>
-              </a:rPr>
-              <a:t>nt</a:t>
-            </a:r>
-            <a:r>
-              <a:rPr lang="en-US" sz="900" dirty="0">
-                <a:latin typeface="Arial"/>
-                <a:cs typeface="Arial"/>
-              </a:rPr>
-              <a:t> 4 --</a:t>
-            </a:r>
-            <a:r>
-              <a:rPr lang="en-US" sz="900" dirty="0" err="1" smtClean="0">
-                <a:latin typeface="Arial"/>
-                <a:cs typeface="Arial"/>
-              </a:rPr>
               <a:t>fix_misencoded_quality_scores</a:t>
             </a:r>
             <a:r>
-              <a:rPr lang="en-US" sz="900" dirty="0" smtClean="0">
-                <a:latin typeface="Arial"/>
-                <a:cs typeface="Arial"/>
-              </a:rPr>
-              <a:t> </a:t>
-            </a:r>
-            <a:r>
-              <a:rPr lang="en-US" sz="900" dirty="0">
-                <a:latin typeface="Arial"/>
-                <a:cs typeface="Arial"/>
-              </a:rPr>
-              <a:t>-T </a:t>
-            </a:r>
-            <a:r>
-              <a:rPr lang="en-US" sz="900" dirty="0" err="1" smtClean="0">
-                <a:latin typeface="Arial"/>
-                <a:cs typeface="Arial"/>
-              </a:rPr>
-              <a:t>RealignerTargetCreator</a:t>
+              <a:rPr lang="en-US" altLang="zh-CN" sz="900" dirty="0" smtClean="0">
+                <a:latin typeface="Arial"/>
+                <a:cs typeface="Arial"/>
+              </a:rPr>
+              <a:t>]</a:t>
             </a:r>
             <a:r>
               <a:rPr lang="en-US" sz="900" dirty="0" smtClean="0">
@@ -7768,11 +7980,12 @@
               <a:t>time </a:t>
             </a:r>
             <a:r>
-              <a:rPr lang="en-US" sz="900" dirty="0" err="1" smtClean="0">
-                <a:latin typeface="Arial"/>
-                <a:cs typeface="Arial"/>
-              </a:rPr>
-              <a:t>gatk</a:t>
+              <a:rPr lang="en-US" altLang="zh-CN" sz="900" dirty="0"/>
+              <a:t>java -jar </a:t>
+            </a:r>
+            <a:r>
+              <a:rPr lang="en-US" altLang="zh-CN" sz="900" dirty="0" err="1"/>
+              <a:t>GenomeAnalysisTK.jar</a:t>
             </a:r>
             <a:r>
               <a:rPr lang="en-US" sz="900" dirty="0" smtClean="0">
@@ -8581,7 +8794,7 @@
         <p:spPr>
           <a:xfrm>
             <a:off x="1939849" y="454184"/>
-            <a:ext cx="1972902" cy="2169825"/>
+            <a:ext cx="1972902" cy="2308324"/>
           </a:xfrm>
           <a:prstGeom prst="rect">
             <a:avLst/>
@@ -8599,12 +8812,12 @@
           <a:lstStyle/>
           <a:p>
             <a:r>
-              <a:rPr lang="en-US" sz="900" dirty="0" err="1"/>
-              <a:t>g</a:t>
-            </a:r>
-            <a:r>
-              <a:rPr lang="en-US" sz="900" dirty="0" err="1" smtClean="0"/>
-              <a:t>atk</a:t>
+              <a:rPr lang="en-US" altLang="zh-CN" sz="900" dirty="0"/>
+              <a:t>java -jar </a:t>
+            </a:r>
+            <a:r>
+              <a:rPr lang="en-US" altLang="zh-CN" sz="900" dirty="0" err="1"/>
+              <a:t>GenomeAnalysisTK.jar</a:t>
             </a:r>
             <a:r>
               <a:rPr lang="en-US" sz="900" dirty="0" smtClean="0"/>
@@ -8690,7 +8903,15 @@
             </a:r>
             <a:r>
               <a:rPr lang="en-US" sz="900" dirty="0" smtClean="0"/>
-              <a:t>NA12878.HC.X.raw.vcf \ </a:t>
+              <a:t>NA12878.HC.</a:t>
+            </a:r>
+            <a:r>
+              <a:rPr lang="en-US" altLang="zh-CN" sz="900" dirty="0" smtClean="0"/>
+              <a:t>Y</a:t>
+            </a:r>
+            <a:r>
+              <a:rPr lang="en-US" sz="900" dirty="0" smtClean="0"/>
+              <a:t>.raw.vcf \ </a:t>
             </a:r>
           </a:p>
           <a:p>
@@ -8834,7 +9055,7 @@
             </a:r>
             <a:r>
               <a:rPr lang="en-US" altLang="zh-CN" sz="900" dirty="0" smtClean="0"/>
-              <a:t>NA12878.HC.X.raw.vcf done</a:t>
+              <a:t>NA12878.HC.Y.raw.vcf done</a:t>
             </a:r>
             <a:r>
               <a:rPr lang="en-US" sz="900" dirty="0" smtClean="0"/>
@@ -9017,11 +9238,7 @@
             </a:r>
             <a:r>
               <a:rPr lang="en-US" sz="900" dirty="0" smtClean="0"/>
-              <a:t>NA12878.HC.raw</a:t>
-            </a:r>
-            <a:r>
-              <a:rPr lang="en-US" sz="900" dirty="0" smtClean="0"/>
-              <a:t>.vcf </a:t>
+              <a:t>NA12878.HC.raw.vcf </a:t>
             </a:r>
             <a:r>
               <a:rPr lang="en-US" sz="900" dirty="0"/>
@@ -9132,11 +9349,7 @@
             </a:r>
             <a:r>
               <a:rPr lang="en-US" sz="900" dirty="0" smtClean="0"/>
-              <a:t>  </a:t>
-            </a:r>
-            <a:r>
-              <a:rPr lang="en-US" sz="900" dirty="0" smtClean="0"/>
-              <a:t>-</a:t>
+              <a:t>  -</a:t>
             </a:r>
             <a:r>
               <a:rPr lang="en-US" sz="900" dirty="0"/>
@@ -9764,16 +9977,20 @@
           </a:p>
           <a:p>
             <a:r>
-              <a:rPr lang="en-US" sz="900" dirty="0"/>
+              <a:rPr lang="zh-CN" altLang="en-US" sz="900" dirty="0"/>
               <a:t> </a:t>
             </a:r>
             <a:r>
-              <a:rPr lang="en-US" sz="900" dirty="0" smtClean="0"/>
-              <a:t>  -</a:t>
-            </a:r>
-            <a:r>
-              <a:rPr lang="en-US" sz="900" dirty="0"/>
-              <a:t>an QD -an DP -an FS -an SOR -an </a:t>
+              <a:rPr lang="zh-CN" altLang="en-US" sz="900" dirty="0" smtClean="0"/>
+              <a:t>  </a:t>
+            </a:r>
+            <a:r>
+              <a:rPr lang="en-US" sz="900" dirty="0" smtClean="0"/>
+              <a:t>-</a:t>
+            </a:r>
+            <a:r>
+              <a:rPr lang="en-US" sz="900" dirty="0"/>
+              <a:t>an DP -an FS -an SOR -an </a:t>
             </a:r>
             <a:r>
               <a:rPr lang="en-US" sz="900" dirty="0" err="1"/>
@@ -10277,6 +10494,64 @@
 </file>
 
 <file path=ppt/slides/slide6.xml><?xml version="1.0" encoding="utf-8"?>
+<p:sld xmlns:a="http://schemas.openxmlformats.org/drawingml/2006/main" xmlns:r="http://schemas.openxmlformats.org/officeDocument/2006/relationships" xmlns:p="http://schemas.openxmlformats.org/presentationml/2006/main">
+  <p:cSld>
+    <p:spTree>
+      <p:nvGrpSpPr>
+        <p:cNvPr id="1" name=""/>
+        <p:cNvGrpSpPr/>
+        <p:nvPr/>
+      </p:nvGrpSpPr>
+      <p:grpSpPr>
+        <a:xfrm>
+          <a:off x="0" y="0"/>
+          <a:ext cx="0" cy="0"/>
+          <a:chOff x="0" y="0"/>
+          <a:chExt cx="0" cy="0"/>
+        </a:xfrm>
+      </p:grpSpPr>
+      <p:sp>
+        <p:nvSpPr>
+          <p:cNvPr id="2" name="矩形 1"/>
+          <p:cNvSpPr/>
+          <p:nvPr/>
+        </p:nvSpPr>
+        <p:spPr>
+          <a:xfrm>
+            <a:off x="2286000" y="2534335"/>
+            <a:ext cx="4572000" cy="646331"/>
+          </a:xfrm>
+          <a:prstGeom prst="rect">
+            <a:avLst/>
+          </a:prstGeom>
+        </p:spPr>
+        <p:txBody>
+          <a:bodyPr>
+            <a:spAutoFit/>
+          </a:bodyPr>
+          <a:lstStyle/>
+          <a:p>
+            <a:r>
+              <a:rPr lang="zh-CN" altLang="en-US" dirty="0"/>
+              <a:t>https://gist.github.com/ShujiaHuang/56fe45439afc208a3fc2e8cf85803cf8</a:t>
+            </a:r>
+          </a:p>
+        </p:txBody>
+      </p:sp>
+    </p:spTree>
+    <p:extLst>
+      <p:ext uri="{BB962C8B-B14F-4D97-AF65-F5344CB8AC3E}">
+        <p14:creationId xmlns:p14="http://schemas.microsoft.com/office/powerpoint/2010/main" val="100649182"/>
+      </p:ext>
+    </p:extLst>
+  </p:cSld>
+  <p:clrMapOvr>
+    <a:masterClrMapping/>
+  </p:clrMapOvr>
+</p:sld>
+</file>
+
+<file path=ppt/slides/slide7.xml><?xml version="1.0" encoding="utf-8"?>
 <p:sld xmlns:a="http://schemas.openxmlformats.org/drawingml/2006/main" xmlns:r="http://schemas.openxmlformats.org/officeDocument/2006/relationships" xmlns:p="http://schemas.openxmlformats.org/presentationml/2006/main">
   <p:cSld>
     <p:spTree>

--- a/assets/WGS_Simplify.pptx
+++ b/assets/WGS_Simplify.pptx
@@ -8812,20 +8812,16 @@
           <a:lstStyle/>
           <a:p>
             <a:r>
-              <a:rPr lang="en-US" altLang="zh-CN" sz="900" dirty="0"/>
+              <a:rPr lang="en-US" altLang="zh-CN" sz="900" dirty="0" smtClean="0"/>
               <a:t>java -jar </a:t>
             </a:r>
             <a:r>
-              <a:rPr lang="en-US" altLang="zh-CN" sz="900" dirty="0" err="1"/>
+              <a:rPr lang="en-US" altLang="zh-CN" sz="900" dirty="0" err="1" smtClean="0"/>
               <a:t>GenomeAnalysisTK.jar</a:t>
             </a:r>
             <a:r>
               <a:rPr lang="en-US" sz="900" dirty="0" smtClean="0"/>
-              <a:t>  </a:t>
-            </a:r>
-            <a:r>
-              <a:rPr lang="en-US" sz="900" dirty="0"/>
-              <a:t>-T </a:t>
+              <a:t>  -T </a:t>
             </a:r>
             <a:r>
               <a:rPr lang="en-US" sz="900" dirty="0" err="1" smtClean="0"/>
@@ -8839,71 +8835,31 @@
           <a:p>
             <a:r>
               <a:rPr lang="en-US" sz="900" dirty="0" smtClean="0"/>
-              <a:t>-</a:t>
-            </a:r>
-            <a:r>
-              <a:rPr lang="en-US" sz="900" dirty="0"/>
-              <a:t>R </a:t>
-            </a:r>
-            <a:r>
-              <a:rPr lang="en-US" sz="900" dirty="0" smtClean="0"/>
-              <a:t>human_g1k_v37.fasta \</a:t>
-            </a:r>
-          </a:p>
-          <a:p>
-            <a:r>
-              <a:rPr lang="en-US" sz="900" dirty="0" smtClean="0"/>
-              <a:t>-</a:t>
-            </a:r>
-            <a:r>
-              <a:rPr lang="en-US" sz="900" dirty="0"/>
-              <a:t>I </a:t>
-            </a:r>
-            <a:r>
-              <a:rPr lang="en-US" sz="900" dirty="0" smtClean="0"/>
-              <a:t>NA12878_realign_BQSR4.bam \</a:t>
-            </a:r>
-          </a:p>
-          <a:p>
-            <a:r>
-              <a:rPr lang="en-US" sz="900" dirty="0" smtClean="0"/>
-              <a:t>-</a:t>
-            </a:r>
-            <a:r>
-              <a:rPr lang="en-US" sz="900" dirty="0"/>
-              <a:t>D </a:t>
-            </a:r>
-            <a:r>
-              <a:rPr lang="en-US" sz="900" dirty="0" smtClean="0"/>
-              <a:t>dbsnp_138.b37.vcf \ </a:t>
-            </a:r>
-          </a:p>
-          <a:p>
-            <a:r>
-              <a:rPr lang="en-US" sz="900" dirty="0" smtClean="0"/>
-              <a:t>-</a:t>
-            </a:r>
-            <a:r>
-              <a:rPr lang="en-US" sz="900" dirty="0"/>
-              <a:t>L </a:t>
-            </a:r>
-            <a:r>
-              <a:rPr lang="en-US" sz="900" dirty="0" smtClean="0"/>
-              <a:t>Y \</a:t>
-            </a:r>
-          </a:p>
-          <a:p>
-            <a:r>
-              <a:rPr lang="en-US" sz="900" dirty="0" smtClean="0"/>
-              <a:t>-</a:t>
-            </a:r>
-            <a:r>
-              <a:rPr lang="en-US" sz="900" dirty="0"/>
-              <a:t>o </a:t>
-            </a:r>
-            <a:r>
-              <a:rPr lang="en-US" sz="900" dirty="0" smtClean="0"/>
-              <a:t>NA12878.HC.</a:t>
+              <a:t>-R human_g1k_v37.fasta \</a:t>
+            </a:r>
+          </a:p>
+          <a:p>
+            <a:r>
+              <a:rPr lang="en-US" sz="900" dirty="0" smtClean="0"/>
+              <a:t>-I NA12878_realign_BQSR4.bam \</a:t>
+            </a:r>
+          </a:p>
+          <a:p>
+            <a:r>
+              <a:rPr lang="en-US" sz="900" dirty="0" smtClean="0"/>
+              <a:t>-D dbsnp_138.b37.vcf \ </a:t>
+            </a:r>
+          </a:p>
+          <a:p>
+            <a:r>
+              <a:rPr lang="en-US" sz="900" dirty="0" smtClean="0"/>
+              <a:t>-L Y \</a:t>
+            </a:r>
+          </a:p>
+          <a:p>
+            <a:r>
+              <a:rPr lang="en-US" sz="900" dirty="0" smtClean="0"/>
+              <a:t>-o NA12878.HC.</a:t>
             </a:r>
             <a:r>
               <a:rPr lang="en-US" altLang="zh-CN" sz="900" dirty="0" smtClean="0"/>
@@ -8920,26 +8876,18 @@
               <a:t>-</a:t>
             </a:r>
             <a:r>
-              <a:rPr lang="en-US" sz="900" dirty="0" err="1"/>
+              <a:rPr lang="en-US" sz="900" dirty="0" err="1" smtClean="0"/>
               <a:t>stand_call_conf</a:t>
             </a:r>
             <a:r>
-              <a:rPr lang="en-US" sz="900" dirty="0"/>
-              <a:t> </a:t>
-            </a:r>
-            <a:r>
-              <a:rPr lang="en-US" sz="900" dirty="0" smtClean="0"/>
-              <a:t>50 \ </a:t>
-            </a:r>
-          </a:p>
-          <a:p>
-            <a:r>
-              <a:rPr lang="en-US" sz="900" dirty="0" smtClean="0"/>
-              <a:t>-</a:t>
-            </a:r>
-            <a:r>
-              <a:rPr lang="en-US" sz="900" dirty="0"/>
-              <a:t>A </a:t>
+              <a:rPr lang="en-US" sz="900" dirty="0" smtClean="0"/>
+              <a:t> 50 \ </a:t>
+            </a:r>
+          </a:p>
+          <a:p>
+            <a:r>
+              <a:rPr lang="en-US" sz="900" dirty="0" smtClean="0"/>
+              <a:t>-A </a:t>
             </a:r>
             <a:r>
               <a:rPr lang="en-US" sz="900" dirty="0" err="1" smtClean="0"/>
@@ -8953,11 +8901,7 @@
           <a:p>
             <a:r>
               <a:rPr lang="en-US" sz="900" dirty="0" smtClean="0"/>
-              <a:t>-</a:t>
-            </a:r>
-            <a:r>
-              <a:rPr lang="en-US" sz="900" dirty="0"/>
-              <a:t>A </a:t>
+              <a:t>-A </a:t>
             </a:r>
             <a:r>
               <a:rPr lang="en-US" sz="900" dirty="0" err="1" smtClean="0"/>
@@ -8971,11 +8915,7 @@
           <a:p>
             <a:r>
               <a:rPr lang="en-US" sz="900" dirty="0" smtClean="0"/>
-              <a:t>-</a:t>
-            </a:r>
-            <a:r>
-              <a:rPr lang="en-US" sz="900" dirty="0"/>
-              <a:t>A </a:t>
+              <a:t>-A </a:t>
             </a:r>
             <a:r>
               <a:rPr lang="en-US" sz="900" dirty="0" err="1" smtClean="0"/>
@@ -8989,11 +8929,7 @@
           <a:p>
             <a:r>
               <a:rPr lang="en-US" sz="900" dirty="0" smtClean="0"/>
-              <a:t>-</a:t>
-            </a:r>
-            <a:r>
-              <a:rPr lang="en-US" sz="900" dirty="0"/>
-              <a:t>A </a:t>
+              <a:t>-A </a:t>
             </a:r>
             <a:r>
               <a:rPr lang="en-US" sz="900" dirty="0" err="1" smtClean="0"/>
@@ -9007,11 +8943,7 @@
           <a:p>
             <a:r>
               <a:rPr lang="en-US" sz="900" dirty="0" smtClean="0"/>
-              <a:t>-</a:t>
-            </a:r>
-            <a:r>
-              <a:rPr lang="en-US" sz="900" dirty="0"/>
-              <a:t>A </a:t>
+              <a:t>-A </a:t>
             </a:r>
             <a:r>
               <a:rPr lang="en-US" sz="900" dirty="0" err="1" smtClean="0"/>
@@ -9025,11 +8957,7 @@
           <a:p>
             <a:r>
               <a:rPr lang="en-US" sz="900" dirty="0" smtClean="0"/>
-              <a:t>-</a:t>
-            </a:r>
-            <a:r>
-              <a:rPr lang="en-US" sz="900" dirty="0"/>
-              <a:t>A </a:t>
+              <a:t>-A </a:t>
             </a:r>
             <a:r>
               <a:rPr lang="en-US" sz="900" dirty="0" err="1" smtClean="0"/>
@@ -9043,15 +8971,7 @@
           <a:p>
             <a:r>
               <a:rPr lang="en-US" sz="900" dirty="0" smtClean="0"/>
-              <a:t>-</a:t>
-            </a:r>
-            <a:r>
-              <a:rPr lang="en-US" sz="900" dirty="0"/>
-              <a:t>A </a:t>
-            </a:r>
-            <a:r>
-              <a:rPr lang="en-US" sz="900" dirty="0" smtClean="0"/>
-              <a:t>Coverage &amp;&amp; echo “</a:t>
+              <a:t>-A Coverage &amp;&amp; echo “</a:t>
             </a:r>
             <a:r>
               <a:rPr lang="en-US" altLang="zh-CN" sz="900" dirty="0" smtClean="0"/>

--- a/assets/WGS_Simplify.pptx
+++ b/assets/WGS_Simplify.pptx
@@ -214,7 +214,7 @@
           <a:p>
             <a:fld id="{821DFDE9-353C-0845-AD83-281110483F36}" type="datetimeFigureOut">
               <a:rPr lang="en-US" smtClean="0"/>
-              <a:t>1/6/17</a:t>
+              <a:t>1/9/17</a:t>
             </a:fld>
             <a:endParaRPr lang="en-US"/>
           </a:p>
@@ -919,7 +919,7 @@
           <a:p>
             <a:fld id="{4328421A-0EB9-CB4F-8903-5755A88A3284}" type="datetimeFigureOut">
               <a:rPr lang="en-US" smtClean="0"/>
-              <a:t>1/6/17</a:t>
+              <a:t>1/9/17</a:t>
             </a:fld>
             <a:endParaRPr lang="en-US"/>
           </a:p>
@@ -1089,7 +1089,7 @@
           <a:p>
             <a:fld id="{4328421A-0EB9-CB4F-8903-5755A88A3284}" type="datetimeFigureOut">
               <a:rPr lang="en-US" smtClean="0"/>
-              <a:t>1/6/17</a:t>
+              <a:t>1/9/17</a:t>
             </a:fld>
             <a:endParaRPr lang="en-US"/>
           </a:p>
@@ -1269,7 +1269,7 @@
           <a:p>
             <a:fld id="{4328421A-0EB9-CB4F-8903-5755A88A3284}" type="datetimeFigureOut">
               <a:rPr lang="en-US" smtClean="0"/>
-              <a:t>1/6/17</a:t>
+              <a:t>1/9/17</a:t>
             </a:fld>
             <a:endParaRPr lang="en-US"/>
           </a:p>
@@ -1439,7 +1439,7 @@
           <a:p>
             <a:fld id="{4328421A-0EB9-CB4F-8903-5755A88A3284}" type="datetimeFigureOut">
               <a:rPr lang="en-US" smtClean="0"/>
-              <a:t>1/6/17</a:t>
+              <a:t>1/9/17</a:t>
             </a:fld>
             <a:endParaRPr lang="en-US"/>
           </a:p>
@@ -1685,7 +1685,7 @@
           <a:p>
             <a:fld id="{4328421A-0EB9-CB4F-8903-5755A88A3284}" type="datetimeFigureOut">
               <a:rPr lang="en-US" smtClean="0"/>
-              <a:t>1/6/17</a:t>
+              <a:t>1/9/17</a:t>
             </a:fld>
             <a:endParaRPr lang="en-US"/>
           </a:p>
@@ -1973,7 +1973,7 @@
           <a:p>
             <a:fld id="{4328421A-0EB9-CB4F-8903-5755A88A3284}" type="datetimeFigureOut">
               <a:rPr lang="en-US" smtClean="0"/>
-              <a:t>1/6/17</a:t>
+              <a:t>1/9/17</a:t>
             </a:fld>
             <a:endParaRPr lang="en-US"/>
           </a:p>
@@ -2400,7 +2400,7 @@
           <a:p>
             <a:fld id="{4328421A-0EB9-CB4F-8903-5755A88A3284}" type="datetimeFigureOut">
               <a:rPr lang="en-US" smtClean="0"/>
-              <a:t>1/6/17</a:t>
+              <a:t>1/9/17</a:t>
             </a:fld>
             <a:endParaRPr lang="en-US"/>
           </a:p>
@@ -2518,7 +2518,7 @@
           <a:p>
             <a:fld id="{4328421A-0EB9-CB4F-8903-5755A88A3284}" type="datetimeFigureOut">
               <a:rPr lang="en-US" smtClean="0"/>
-              <a:t>1/6/17</a:t>
+              <a:t>1/9/17</a:t>
             </a:fld>
             <a:endParaRPr lang="en-US"/>
           </a:p>
@@ -2613,7 +2613,7 @@
           <a:p>
             <a:fld id="{4328421A-0EB9-CB4F-8903-5755A88A3284}" type="datetimeFigureOut">
               <a:rPr lang="en-US" smtClean="0"/>
-              <a:t>1/6/17</a:t>
+              <a:t>1/9/17</a:t>
             </a:fld>
             <a:endParaRPr lang="en-US"/>
           </a:p>
@@ -2890,7 +2890,7 @@
           <a:p>
             <a:fld id="{4328421A-0EB9-CB4F-8903-5755A88A3284}" type="datetimeFigureOut">
               <a:rPr lang="en-US" smtClean="0"/>
-              <a:t>1/6/17</a:t>
+              <a:t>1/9/17</a:t>
             </a:fld>
             <a:endParaRPr lang="en-US"/>
           </a:p>
@@ -3143,7 +3143,7 @@
           <a:p>
             <a:fld id="{4328421A-0EB9-CB4F-8903-5755A88A3284}" type="datetimeFigureOut">
               <a:rPr lang="en-US" smtClean="0"/>
-              <a:t>1/6/17</a:t>
+              <a:t>1/9/17</a:t>
             </a:fld>
             <a:endParaRPr lang="en-US"/>
           </a:p>
@@ -3356,7 +3356,7 @@
           <a:p>
             <a:fld id="{4328421A-0EB9-CB4F-8903-5755A88A3284}" type="datetimeFigureOut">
               <a:rPr lang="en-US" smtClean="0"/>
-              <a:t>1/6/17</a:t>
+              <a:t>1/9/17</a:t>
             </a:fld>
             <a:endParaRPr lang="en-US"/>
           </a:p>
@@ -9044,12 +9044,8 @@
               <a:t>   -R </a:t>
             </a:r>
             <a:r>
-              <a:rPr lang="en-US" sz="900" dirty="0" err="1"/>
-              <a:t>reference.fasta</a:t>
-            </a:r>
-            <a:r>
-              <a:rPr lang="en-US" sz="900" dirty="0"/>
-              <a:t> </a:t>
+              <a:rPr lang="en-US" altLang="zh-CN" sz="900" dirty="0"/>
+              <a:t>human_g1k_v37.fasta </a:t>
             </a:r>
             <a:r>
               <a:rPr lang="en-US" sz="900" dirty="0" smtClean="0"/>
@@ -9254,13 +9250,14 @@
               <a:t>   -R </a:t>
             </a:r>
             <a:r>
-              <a:rPr lang="en-US" sz="900" dirty="0" err="1"/>
-              <a:t>reference.fasta</a:t>
-            </a:r>
-            <a:r>
-              <a:rPr lang="en-US" sz="900" dirty="0"/>
-              <a:t> \</a:t>
-            </a:r>
+              <a:rPr lang="en-US" altLang="zh-CN" sz="900" dirty="0"/>
+              <a:t>human_g1k_v37.fasta </a:t>
+            </a:r>
+            <a:r>
+              <a:rPr lang="en-US" sz="900" dirty="0" smtClean="0"/>
+              <a:t>\</a:t>
+            </a:r>
+            <a:endParaRPr lang="en-US" sz="900" dirty="0"/>
           </a:p>
           <a:p>
             <a:r>

--- a/assets/WGS_Simplify.pptx
+++ b/assets/WGS_Simplify.pptx
@@ -214,7 +214,7 @@
           <a:p>
             <a:fld id="{821DFDE9-353C-0845-AD83-281110483F36}" type="datetimeFigureOut">
               <a:rPr lang="en-US" smtClean="0"/>
-              <a:t>1/9/17</a:t>
+              <a:t>4/16/17</a:t>
             </a:fld>
             <a:endParaRPr lang="en-US"/>
           </a:p>
@@ -919,7 +919,7 @@
           <a:p>
             <a:fld id="{4328421A-0EB9-CB4F-8903-5755A88A3284}" type="datetimeFigureOut">
               <a:rPr lang="en-US" smtClean="0"/>
-              <a:t>1/9/17</a:t>
+              <a:t>4/16/17</a:t>
             </a:fld>
             <a:endParaRPr lang="en-US"/>
           </a:p>
@@ -1089,7 +1089,7 @@
           <a:p>
             <a:fld id="{4328421A-0EB9-CB4F-8903-5755A88A3284}" type="datetimeFigureOut">
               <a:rPr lang="en-US" smtClean="0"/>
-              <a:t>1/9/17</a:t>
+              <a:t>4/16/17</a:t>
             </a:fld>
             <a:endParaRPr lang="en-US"/>
           </a:p>
@@ -1269,7 +1269,7 @@
           <a:p>
             <a:fld id="{4328421A-0EB9-CB4F-8903-5755A88A3284}" type="datetimeFigureOut">
               <a:rPr lang="en-US" smtClean="0"/>
-              <a:t>1/9/17</a:t>
+              <a:t>4/16/17</a:t>
             </a:fld>
             <a:endParaRPr lang="en-US"/>
           </a:p>
@@ -1439,7 +1439,7 @@
           <a:p>
             <a:fld id="{4328421A-0EB9-CB4F-8903-5755A88A3284}" type="datetimeFigureOut">
               <a:rPr lang="en-US" smtClean="0"/>
-              <a:t>1/9/17</a:t>
+              <a:t>4/16/17</a:t>
             </a:fld>
             <a:endParaRPr lang="en-US"/>
           </a:p>
@@ -1685,7 +1685,7 @@
           <a:p>
             <a:fld id="{4328421A-0EB9-CB4F-8903-5755A88A3284}" type="datetimeFigureOut">
               <a:rPr lang="en-US" smtClean="0"/>
-              <a:t>1/9/17</a:t>
+              <a:t>4/16/17</a:t>
             </a:fld>
             <a:endParaRPr lang="en-US"/>
           </a:p>
@@ -1973,7 +1973,7 @@
           <a:p>
             <a:fld id="{4328421A-0EB9-CB4F-8903-5755A88A3284}" type="datetimeFigureOut">
               <a:rPr lang="en-US" smtClean="0"/>
-              <a:t>1/9/17</a:t>
+              <a:t>4/16/17</a:t>
             </a:fld>
             <a:endParaRPr lang="en-US"/>
           </a:p>
@@ -2400,7 +2400,7 @@
           <a:p>
             <a:fld id="{4328421A-0EB9-CB4F-8903-5755A88A3284}" type="datetimeFigureOut">
               <a:rPr lang="en-US" smtClean="0"/>
-              <a:t>1/9/17</a:t>
+              <a:t>4/16/17</a:t>
             </a:fld>
             <a:endParaRPr lang="en-US"/>
           </a:p>
@@ -2518,7 +2518,7 @@
           <a:p>
             <a:fld id="{4328421A-0EB9-CB4F-8903-5755A88A3284}" type="datetimeFigureOut">
               <a:rPr lang="en-US" smtClean="0"/>
-              <a:t>1/9/17</a:t>
+              <a:t>4/16/17</a:t>
             </a:fld>
             <a:endParaRPr lang="en-US"/>
           </a:p>
@@ -2613,7 +2613,7 @@
           <a:p>
             <a:fld id="{4328421A-0EB9-CB4F-8903-5755A88A3284}" type="datetimeFigureOut">
               <a:rPr lang="en-US" smtClean="0"/>
-              <a:t>1/9/17</a:t>
+              <a:t>4/16/17</a:t>
             </a:fld>
             <a:endParaRPr lang="en-US"/>
           </a:p>
@@ -2890,7 +2890,7 @@
           <a:p>
             <a:fld id="{4328421A-0EB9-CB4F-8903-5755A88A3284}" type="datetimeFigureOut">
               <a:rPr lang="en-US" smtClean="0"/>
-              <a:t>1/9/17</a:t>
+              <a:t>4/16/17</a:t>
             </a:fld>
             <a:endParaRPr lang="en-US"/>
           </a:p>
@@ -3143,7 +3143,7 @@
           <a:p>
             <a:fld id="{4328421A-0EB9-CB4F-8903-5755A88A3284}" type="datetimeFigureOut">
               <a:rPr lang="en-US" smtClean="0"/>
-              <a:t>1/9/17</a:t>
+              <a:t>4/16/17</a:t>
             </a:fld>
             <a:endParaRPr lang="en-US"/>
           </a:p>
@@ -3356,7 +3356,7 @@
           <a:p>
             <a:fld id="{4328421A-0EB9-CB4F-8903-5755A88A3284}" type="datetimeFigureOut">
               <a:rPr lang="en-US" smtClean="0"/>
-              <a:t>1/9/17</a:t>
+              <a:t>4/16/17</a:t>
             </a:fld>
             <a:endParaRPr lang="en-US"/>
           </a:p>
@@ -5838,10 +5838,10 @@
         </p:nvGrpSpPr>
         <p:grpSpPr>
           <a:xfrm>
-            <a:off x="139279" y="190500"/>
-            <a:ext cx="2433142" cy="5473700"/>
-            <a:chOff x="139279" y="1563448"/>
-            <a:chExt cx="2433142" cy="4100752"/>
+            <a:off x="139279" y="126991"/>
+            <a:ext cx="2433142" cy="5283209"/>
+            <a:chOff x="139279" y="1706161"/>
+            <a:chExt cx="2433142" cy="3958039"/>
           </a:xfrm>
         </p:grpSpPr>
         <p:grpSp>
@@ -5852,10 +5852,10 @@
           </p:nvGrpSpPr>
           <p:grpSpPr>
             <a:xfrm>
-              <a:off x="194914" y="1563448"/>
-              <a:ext cx="2377507" cy="4100752"/>
-              <a:chOff x="2628334" y="1444971"/>
-              <a:chExt cx="2630190" cy="4205003"/>
+              <a:off x="194914" y="1706161"/>
+              <a:ext cx="2377507" cy="3958039"/>
+              <a:chOff x="2628334" y="1591314"/>
+              <a:chExt cx="2630190" cy="4058660"/>
             </a:xfrm>
           </p:grpSpPr>
           <p:sp>
@@ -5923,10 +5923,10 @@
             </p:nvGrpSpPr>
             <p:grpSpPr>
               <a:xfrm>
-                <a:off x="2628334" y="1444971"/>
-                <a:ext cx="2630190" cy="3940796"/>
-                <a:chOff x="2628334" y="1444971"/>
-                <a:chExt cx="2630190" cy="3940796"/>
+                <a:off x="2628334" y="1591314"/>
+                <a:ext cx="2630190" cy="3794453"/>
+                <a:chOff x="2628334" y="1591314"/>
+                <a:chExt cx="2630190" cy="3794453"/>
               </a:xfrm>
             </p:grpSpPr>
             <p:sp>
@@ -6634,7 +6634,7 @@
               </p:nvSpPr>
               <p:spPr>
                 <a:xfrm>
-                  <a:off x="2628334" y="1444971"/>
+                  <a:off x="2628334" y="1591314"/>
                   <a:ext cx="2271175" cy="338554"/>
                 </a:xfrm>
                 <a:prstGeom prst="rect">
@@ -6781,7 +6781,7 @@
         </p:nvSpPr>
         <p:spPr>
           <a:xfrm>
-            <a:off x="2475164" y="905222"/>
+            <a:off x="2475164" y="651222"/>
             <a:ext cx="3365500" cy="276999"/>
           </a:xfrm>
           <a:prstGeom prst="rect">
@@ -6892,7 +6892,7 @@
         </p:nvSpPr>
         <p:spPr>
           <a:xfrm>
-            <a:off x="1793902" y="1948668"/>
+            <a:off x="1793902" y="1694668"/>
             <a:ext cx="5723042" cy="230832"/>
           </a:xfrm>
           <a:prstGeom prst="rect">
@@ -7037,7 +7037,7 @@
         </p:nvSpPr>
         <p:spPr>
           <a:xfrm>
-            <a:off x="2618719" y="3135483"/>
+            <a:off x="2618719" y="2881483"/>
             <a:ext cx="2390398" cy="507831"/>
           </a:xfrm>
           <a:prstGeom prst="rect">
@@ -7207,7 +7207,7 @@
         </p:nvSpPr>
         <p:spPr>
           <a:xfrm>
-            <a:off x="1389991" y="2751608"/>
+            <a:off x="1389991" y="2497608"/>
             <a:ext cx="1182432" cy="280735"/>
           </a:xfrm>
           <a:prstGeom prst="roundRect">
@@ -7267,7 +7267,7 @@
         </p:nvCxnSpPr>
         <p:spPr>
           <a:xfrm>
-            <a:off x="1981207" y="3032343"/>
+            <a:off x="1981207" y="2778343"/>
             <a:ext cx="0" cy="227881"/>
           </a:xfrm>
           <a:prstGeom prst="straightConnector1">
@@ -7301,7 +7301,7 @@
         </p:nvSpPr>
         <p:spPr>
           <a:xfrm>
-            <a:off x="2636102" y="2683500"/>
+            <a:off x="2636102" y="2429500"/>
             <a:ext cx="1988045" cy="369332"/>
           </a:xfrm>
           <a:prstGeom prst="rect">
@@ -7483,7 +7483,7 @@
         </p:nvSpPr>
         <p:spPr>
           <a:xfrm>
-            <a:off x="1900674" y="4069526"/>
+            <a:off x="1900674" y="3815526"/>
             <a:ext cx="3387441" cy="1892826"/>
           </a:xfrm>
           <a:prstGeom prst="rect">
@@ -7729,7 +7729,7 @@
         </p:nvSpPr>
         <p:spPr>
           <a:xfrm>
-            <a:off x="5800164" y="2906636"/>
+            <a:off x="5800164" y="2652636"/>
             <a:ext cx="3143919" cy="2446824"/>
           </a:xfrm>
           <a:prstGeom prst="rect">
@@ -8168,7 +8168,7 @@
         </p:nvSpPr>
         <p:spPr>
           <a:xfrm>
-            <a:off x="1770048" y="3806073"/>
+            <a:off x="1770048" y="3552073"/>
             <a:ext cx="3998855" cy="245310"/>
           </a:xfrm>
           <a:prstGeom prst="rightArrow">
